--- a/lesson19.pptx
+++ b/lesson19.pptx
@@ -5,7 +5,7 @@
     <p:sldMasterId id="2147483648" r:id="rId1"/>
   </p:sldMasterIdLst>
   <p:notesMasterIdLst>
-    <p:notesMasterId r:id="rId27"/>
+    <p:notesMasterId r:id="rId29"/>
   </p:notesMasterIdLst>
   <p:sldIdLst>
     <p:sldId id="469" r:id="rId2"/>
@@ -24,15 +24,17 @@
     <p:sldId id="450" r:id="rId15"/>
     <p:sldId id="477" r:id="rId16"/>
     <p:sldId id="468" r:id="rId17"/>
-    <p:sldId id="471" r:id="rId18"/>
-    <p:sldId id="478" r:id="rId19"/>
-    <p:sldId id="408" r:id="rId20"/>
-    <p:sldId id="476" r:id="rId21"/>
-    <p:sldId id="451" r:id="rId22"/>
-    <p:sldId id="452" r:id="rId23"/>
-    <p:sldId id="475" r:id="rId24"/>
-    <p:sldId id="383" r:id="rId25"/>
-    <p:sldId id="760" r:id="rId26"/>
+    <p:sldId id="761" r:id="rId18"/>
+    <p:sldId id="762" r:id="rId19"/>
+    <p:sldId id="471" r:id="rId20"/>
+    <p:sldId id="478" r:id="rId21"/>
+    <p:sldId id="408" r:id="rId22"/>
+    <p:sldId id="476" r:id="rId23"/>
+    <p:sldId id="451" r:id="rId24"/>
+    <p:sldId id="452" r:id="rId25"/>
+    <p:sldId id="475" r:id="rId26"/>
+    <p:sldId id="383" r:id="rId27"/>
+    <p:sldId id="760" r:id="rId28"/>
   </p:sldIdLst>
   <p:sldSz cx="12192000" cy="6858000"/>
   <p:notesSz cx="6858000" cy="9144000"/>
@@ -153,13 +155,74 @@
 <file path=ppt/revisionInfo.xml><?xml version="1.0" encoding="utf-8"?>
 <p1510:revInfo xmlns:a="http://schemas.openxmlformats.org/drawingml/2006/main" xmlns:r="http://schemas.openxmlformats.org/officeDocument/2006/relationships" xmlns:p1510="http://schemas.microsoft.com/office/powerpoint/2015/10/main">
   <p1510:revLst>
-    <p1510:client id="{3919BE2F-D6AB-4280-AA45-02603DC3C7E6}" v="1" dt="2022-12-15T15:32:27.662"/>
+    <p1510:client id="{00115C84-A741-400A-857B-8033C0929640}" v="1" dt="2024-08-30T11:13:27.781"/>
   </p1510:revLst>
 </p1510:revInfo>
 </file>
 
 <file path=ppt/changesInfos/changesInfo1.xml><?xml version="1.0" encoding="utf-8"?>
 <pc:chgInfo xmlns:a="http://schemas.openxmlformats.org/drawingml/2006/main" xmlns:r="http://schemas.openxmlformats.org/officeDocument/2006/relationships" xmlns:ac="http://schemas.microsoft.com/office/drawing/2013/main/command" xmlns:pc="http://schemas.microsoft.com/office/powerpoint/2013/main/command">
+  <pc:docChgLst>
+    <pc:chgData name="Anatoliy Kigel" userId="7432c6c4687b0a9c" providerId="LiveId" clId="{00115C84-A741-400A-857B-8033C0929640}"/>
+    <pc:docChg chg="addSld modSld">
+      <pc:chgData name="Anatoliy Kigel" userId="7432c6c4687b0a9c" providerId="LiveId" clId="{00115C84-A741-400A-857B-8033C0929640}" dt="2024-08-30T11:13:46.264" v="8" actId="20577"/>
+      <pc:docMkLst>
+        <pc:docMk/>
+      </pc:docMkLst>
+      <pc:sldChg chg="modSp mod">
+        <pc:chgData name="Anatoliy Kigel" userId="7432c6c4687b0a9c" providerId="LiveId" clId="{00115C84-A741-400A-857B-8033C0929640}" dt="2024-08-30T11:13:46.264" v="8" actId="20577"/>
+        <pc:sldMkLst>
+          <pc:docMk/>
+          <pc:sldMk cId="1272978818" sldId="408"/>
+        </pc:sldMkLst>
+        <pc:spChg chg="mod">
+          <ac:chgData name="Anatoliy Kigel" userId="7432c6c4687b0a9c" providerId="LiveId" clId="{00115C84-A741-400A-857B-8033C0929640}" dt="2024-08-30T11:13:46.264" v="8" actId="20577"/>
+          <ac:spMkLst>
+            <pc:docMk/>
+            <pc:sldMk cId="1272978818" sldId="408"/>
+            <ac:spMk id="5" creationId="{00000000-0000-0000-0000-000000000000}"/>
+          </ac:spMkLst>
+        </pc:spChg>
+      </pc:sldChg>
+      <pc:sldChg chg="modSp mod">
+        <pc:chgData name="Anatoliy Kigel" userId="7432c6c4687b0a9c" providerId="LiveId" clId="{00115C84-A741-400A-857B-8033C0929640}" dt="2024-08-30T11:13:43.432" v="6" actId="20577"/>
+        <pc:sldMkLst>
+          <pc:docMk/>
+          <pc:sldMk cId="2610962508" sldId="471"/>
+        </pc:sldMkLst>
+        <pc:spChg chg="mod">
+          <ac:chgData name="Anatoliy Kigel" userId="7432c6c4687b0a9c" providerId="LiveId" clId="{00115C84-A741-400A-857B-8033C0929640}" dt="2024-08-30T11:13:43.432" v="6" actId="20577"/>
+          <ac:spMkLst>
+            <pc:docMk/>
+            <pc:sldMk cId="2610962508" sldId="471"/>
+            <ac:spMk id="5" creationId="{00000000-0000-0000-0000-000000000000}"/>
+          </ac:spMkLst>
+        </pc:spChg>
+      </pc:sldChg>
+      <pc:sldChg chg="modSp add mod">
+        <pc:chgData name="Anatoliy Kigel" userId="7432c6c4687b0a9c" providerId="LiveId" clId="{00115C84-A741-400A-857B-8033C0929640}" dt="2024-08-30T11:13:40.148" v="4" actId="255"/>
+        <pc:sldMkLst>
+          <pc:docMk/>
+          <pc:sldMk cId="3514473714" sldId="761"/>
+        </pc:sldMkLst>
+        <pc:spChg chg="mod">
+          <ac:chgData name="Anatoliy Kigel" userId="7432c6c4687b0a9c" providerId="LiveId" clId="{00115C84-A741-400A-857B-8033C0929640}" dt="2024-08-30T11:13:40.148" v="4" actId="255"/>
+          <ac:spMkLst>
+            <pc:docMk/>
+            <pc:sldMk cId="3514473714" sldId="761"/>
+            <ac:spMk id="5" creationId="{00000000-0000-0000-0000-000000000000}"/>
+          </ac:spMkLst>
+        </pc:spChg>
+      </pc:sldChg>
+      <pc:sldChg chg="add">
+        <pc:chgData name="Anatoliy Kigel" userId="7432c6c4687b0a9c" providerId="LiveId" clId="{00115C84-A741-400A-857B-8033C0929640}" dt="2024-08-30T11:13:27.771" v="0"/>
+        <pc:sldMkLst>
+          <pc:docMk/>
+          <pc:sldMk cId="1133798415" sldId="762"/>
+        </pc:sldMkLst>
+      </pc:sldChg>
+    </pc:docChg>
+  </pc:docChgLst>
   <pc:docChgLst>
     <pc:chgData name="Anatoliy Kigel" userId="7432c6c4687b0a9c" providerId="LiveId" clId="{3919BE2F-D6AB-4280-AA45-02603DC3C7E6}"/>
     <pc:docChg chg="custSel modSld">
@@ -417,7 +480,7 @@
             <a:fld id="{85522811-C5C6-42D2-A409-F8556720C93F}" type="datetimeFigureOut">
               <a:rPr lang="uk-UA" smtClean="0"/>
               <a:pPr/>
-              <a:t>15.12.2022</a:t>
+              <a:t>30.08.2024</a:t>
             </a:fld>
             <a:endParaRPr lang="uk-UA"/>
           </a:p>
@@ -780,6 +843,91 @@
 </p:notes>
 </file>
 
+<file path=ppt/notesSlides/notesSlide2.xml><?xml version="1.0" encoding="utf-8"?>
+<p:notes xmlns:a="http://schemas.openxmlformats.org/drawingml/2006/main" xmlns:r="http://schemas.openxmlformats.org/officeDocument/2006/relationships" xmlns:p="http://schemas.openxmlformats.org/presentationml/2006/main">
+  <p:cSld>
+    <p:spTree>
+      <p:nvGrpSpPr>
+        <p:cNvPr id="1" name=""/>
+        <p:cNvGrpSpPr/>
+        <p:nvPr/>
+      </p:nvGrpSpPr>
+      <p:grpSpPr>
+        <a:xfrm>
+          <a:off x="0" y="0"/>
+          <a:ext cx="0" cy="0"/>
+          <a:chOff x="0" y="0"/>
+          <a:chExt cx="0" cy="0"/>
+        </a:xfrm>
+      </p:grpSpPr>
+      <p:sp>
+        <p:nvSpPr>
+          <p:cNvPr id="2" name="Образ слайда 1"/>
+          <p:cNvSpPr>
+            <a:spLocks noGrp="1" noRot="1" noChangeAspect="1"/>
+          </p:cNvSpPr>
+          <p:nvPr>
+            <p:ph type="sldImg"/>
+          </p:nvPr>
+        </p:nvSpPr>
+        <p:spPr/>
+      </p:sp>
+      <p:sp>
+        <p:nvSpPr>
+          <p:cNvPr id="3" name="Заметки 2"/>
+          <p:cNvSpPr>
+            <a:spLocks noGrp="1"/>
+          </p:cNvSpPr>
+          <p:nvPr>
+            <p:ph type="body" idx="1"/>
+          </p:nvPr>
+        </p:nvSpPr>
+        <p:spPr/>
+        <p:txBody>
+          <a:bodyPr/>
+          <a:lstStyle/>
+          <a:p>
+            <a:endParaRPr lang="ru-RU" dirty="0"/>
+          </a:p>
+        </p:txBody>
+      </p:sp>
+      <p:sp>
+        <p:nvSpPr>
+          <p:cNvPr id="4" name="Номер слайда 3"/>
+          <p:cNvSpPr>
+            <a:spLocks noGrp="1"/>
+          </p:cNvSpPr>
+          <p:nvPr>
+            <p:ph type="sldNum" sz="quarter" idx="10"/>
+          </p:nvPr>
+        </p:nvSpPr>
+        <p:spPr/>
+        <p:txBody>
+          <a:bodyPr/>
+          <a:lstStyle/>
+          <a:p>
+            <a:fld id="{B2668688-711B-4328-ACFB-54B46FA90133}" type="slidenum">
+              <a:rPr lang="uk-UA" smtClean="0"/>
+              <a:pPr/>
+              <a:t>18</a:t>
+            </a:fld>
+            <a:endParaRPr lang="uk-UA"/>
+          </a:p>
+        </p:txBody>
+      </p:sp>
+    </p:spTree>
+    <p:extLst>
+      <p:ext uri="{BB962C8B-B14F-4D97-AF65-F5344CB8AC3E}">
+        <p14:creationId xmlns:p14="http://schemas.microsoft.com/office/powerpoint/2010/main" val="466080116"/>
+      </p:ext>
+    </p:extLst>
+  </p:cSld>
+  <p:clrMapOvr>
+    <a:masterClrMapping/>
+  </p:clrMapOvr>
+</p:notes>
+</file>
+
 <file path=ppt/slideLayouts/slideLayout1.xml><?xml version="1.0" encoding="utf-8"?>
 <p:sldLayout xmlns:a="http://schemas.openxmlformats.org/drawingml/2006/main" xmlns:r="http://schemas.openxmlformats.org/officeDocument/2006/relationships" xmlns:p="http://schemas.openxmlformats.org/presentationml/2006/main" type="title" preserve="1">
   <p:cSld name="Титульный слайд">
@@ -962,7 +1110,7 @@
             <a:fld id="{0A2E6AC4-C3FE-4E70-88D1-136405B25267}" type="datetime1">
               <a:rPr lang="uk-UA" smtClean="0"/>
               <a:pPr/>
-              <a:t>15.12.2022</a:t>
+              <a:t>30.08.2024</a:t>
             </a:fld>
             <a:endParaRPr lang="uk-UA"/>
           </a:p>
@@ -1129,7 +1277,7 @@
             <a:fld id="{B4D85949-5AE9-41F1-B18C-DA1006B0E8CC}" type="datetime1">
               <a:rPr lang="uk-UA" smtClean="0"/>
               <a:pPr/>
-              <a:t>15.12.2022</a:t>
+              <a:t>30.08.2024</a:t>
             </a:fld>
             <a:endParaRPr lang="uk-UA"/>
           </a:p>
@@ -1306,7 +1454,7 @@
             <a:fld id="{B20C227C-94C5-4BA1-A89C-1C7570144B22}" type="datetime1">
               <a:rPr lang="uk-UA" smtClean="0"/>
               <a:pPr/>
-              <a:t>15.12.2022</a:t>
+              <a:t>30.08.2024</a:t>
             </a:fld>
             <a:endParaRPr lang="uk-UA"/>
           </a:p>
@@ -1473,7 +1621,7 @@
             <a:fld id="{68E2E168-B245-4D8D-8538-B29990DBF87B}" type="datetime1">
               <a:rPr lang="uk-UA" smtClean="0"/>
               <a:pPr/>
-              <a:t>15.12.2022</a:t>
+              <a:t>30.08.2024</a:t>
             </a:fld>
             <a:endParaRPr lang="uk-UA"/>
           </a:p>
@@ -1716,7 +1864,7 @@
             <a:fld id="{356DAF6E-7007-4E61-B36E-794BF232B234}" type="datetime1">
               <a:rPr lang="uk-UA" smtClean="0"/>
               <a:pPr/>
-              <a:t>15.12.2022</a:t>
+              <a:t>30.08.2024</a:t>
             </a:fld>
             <a:endParaRPr lang="uk-UA"/>
           </a:p>
@@ -2001,7 +2149,7 @@
             <a:fld id="{4B2141DD-FE72-44AA-B946-B70892F1F5B7}" type="datetime1">
               <a:rPr lang="uk-UA" smtClean="0"/>
               <a:pPr/>
-              <a:t>15.12.2022</a:t>
+              <a:t>30.08.2024</a:t>
             </a:fld>
             <a:endParaRPr lang="uk-UA"/>
           </a:p>
@@ -2420,7 +2568,7 @@
             <a:fld id="{D1C4DC7C-6CC4-4D1F-A21B-A650800E0532}" type="datetime1">
               <a:rPr lang="uk-UA" smtClean="0"/>
               <a:pPr/>
-              <a:t>15.12.2022</a:t>
+              <a:t>30.08.2024</a:t>
             </a:fld>
             <a:endParaRPr lang="uk-UA"/>
           </a:p>
@@ -2535,7 +2683,7 @@
             <a:fld id="{09E753FA-BE70-4E9D-A1A2-A798C2E22C2C}" type="datetime1">
               <a:rPr lang="uk-UA" smtClean="0"/>
               <a:pPr/>
-              <a:t>15.12.2022</a:t>
+              <a:t>30.08.2024</a:t>
             </a:fld>
             <a:endParaRPr lang="uk-UA"/>
           </a:p>
@@ -2627,7 +2775,7 @@
             <a:fld id="{BC4E9D1B-A194-48C6-B5A1-4C29D0F81227}" type="datetime1">
               <a:rPr lang="uk-UA" smtClean="0"/>
               <a:pPr/>
-              <a:t>15.12.2022</a:t>
+              <a:t>30.08.2024</a:t>
             </a:fld>
             <a:endParaRPr lang="uk-UA"/>
           </a:p>
@@ -2901,7 +3049,7 @@
             <a:fld id="{98DC5B78-3AEE-4E8C-84A2-DF8B252C6B7D}" type="datetime1">
               <a:rPr lang="uk-UA" smtClean="0"/>
               <a:pPr/>
-              <a:t>15.12.2022</a:t>
+              <a:t>30.08.2024</a:t>
             </a:fld>
             <a:endParaRPr lang="uk-UA"/>
           </a:p>
@@ -3151,7 +3299,7 @@
             <a:fld id="{08E6AC05-7690-4D29-B090-15CFA8055B58}" type="datetime1">
               <a:rPr lang="uk-UA" smtClean="0"/>
               <a:pPr/>
-              <a:t>15.12.2022</a:t>
+              <a:t>30.08.2024</a:t>
             </a:fld>
             <a:endParaRPr lang="uk-UA"/>
           </a:p>
@@ -3361,7 +3509,7 @@
             <a:fld id="{C4778AB5-85A2-4D58-9351-A198925B541D}" type="datetime1">
               <a:rPr lang="uk-UA" smtClean="0"/>
               <a:pPr/>
-              <a:t>15.12.2022</a:t>
+              <a:t>30.08.2024</a:t>
             </a:fld>
             <a:endParaRPr lang="uk-UA"/>
           </a:p>
@@ -6577,8 +6725,313 @@
           <a:p>
             <a:pPr algn="ctr"/>
             <a:r>
+              <a:rPr lang="en-US" sz="6600" b="1" dirty="0"/>
+              <a:t>6</a:t>
+            </a:r>
+            <a:r>
+              <a:rPr lang="ru-RU" sz="6600" b="1" dirty="0"/>
+              <a:t>. </a:t>
+            </a:r>
+            <a:r>
+              <a:rPr lang="en-US" sz="6600" b="1" dirty="0"/>
+              <a:t>Math</a:t>
+            </a:r>
+            <a:endParaRPr lang="uk-UA" sz="6600" b="1" dirty="0"/>
+          </a:p>
+        </p:txBody>
+      </p:sp>
+    </p:spTree>
+    <p:extLst>
+      <p:ext uri="{BB962C8B-B14F-4D97-AF65-F5344CB8AC3E}">
+        <p14:creationId xmlns:p14="http://schemas.microsoft.com/office/powerpoint/2010/main" val="3514473714"/>
+      </p:ext>
+    </p:extLst>
+  </p:cSld>
+  <p:clrMapOvr>
+    <a:masterClrMapping/>
+  </p:clrMapOvr>
+</p:sld>
+</file>
+
+<file path=ppt/slides/slide18.xml><?xml version="1.0" encoding="utf-8"?>
+<p:sld xmlns:a="http://schemas.openxmlformats.org/drawingml/2006/main" xmlns:r="http://schemas.openxmlformats.org/officeDocument/2006/relationships" xmlns:p="http://schemas.openxmlformats.org/presentationml/2006/main">
+  <p:cSld>
+    <p:spTree>
+      <p:nvGrpSpPr>
+        <p:cNvPr id="1" name=""/>
+        <p:cNvGrpSpPr/>
+        <p:nvPr/>
+      </p:nvGrpSpPr>
+      <p:grpSpPr>
+        <a:xfrm>
+          <a:off x="0" y="0"/>
+          <a:ext cx="0" cy="0"/>
+          <a:chOff x="0" y="0"/>
+          <a:chExt cx="0" cy="0"/>
+        </a:xfrm>
+      </p:grpSpPr>
+      <p:sp>
+        <p:nvSpPr>
+          <p:cNvPr id="6" name="Номер слайда 36"/>
+          <p:cNvSpPr txBox="1">
+            <a:spLocks/>
+          </p:cNvSpPr>
+          <p:nvPr/>
+        </p:nvSpPr>
+        <p:spPr>
+          <a:xfrm>
+            <a:off x="11212969" y="6165304"/>
+            <a:ext cx="648072" cy="432048"/>
+          </a:xfrm>
+          <a:prstGeom prst="roundRect">
+            <a:avLst/>
+          </a:prstGeom>
+          <a:ln w="25400" cap="flat" cmpd="sng" algn="ctr">
+            <a:solidFill>
+              <a:schemeClr val="tx2">
+                <a:lumMod val="60000"/>
+                <a:lumOff val="40000"/>
+              </a:schemeClr>
+            </a:solidFill>
+            <a:prstDash val="solid"/>
+          </a:ln>
+        </p:spPr>
+        <p:style>
+          <a:lnRef idx="2">
+            <a:schemeClr val="accent1"/>
+          </a:lnRef>
+          <a:fillRef idx="1">
+            <a:schemeClr val="lt1"/>
+          </a:fillRef>
+          <a:effectRef idx="0">
+            <a:schemeClr val="accent1"/>
+          </a:effectRef>
+          <a:fontRef idx="minor">
+            <a:schemeClr val="dk1"/>
+          </a:fontRef>
+        </p:style>
+        <p:txBody>
+          <a:bodyPr vert="horz" lIns="91440" tIns="45720" rIns="91440" bIns="45720" rtlCol="0" anchor="ctr"/>
+          <a:lstStyle/>
+          <a:p>
+            <a:pPr algn="ctr">
+              <a:defRPr/>
+            </a:pPr>
+            <a:fld id="{6389AA22-90B4-448C-8B6B-C699140D38B9}" type="slidenum">
+              <a:rPr lang="uk-UA" sz="2400" b="1">
+                <a:solidFill>
+                  <a:schemeClr val="tx1"/>
+                </a:solidFill>
+              </a:rPr>
+              <a:pPr algn="ctr">
+                <a:defRPr/>
+              </a:pPr>
+              <a:t>18</a:t>
+            </a:fld>
+            <a:endParaRPr lang="uk-UA" sz="2400" b="1" dirty="0">
+              <a:solidFill>
+                <a:schemeClr val="tx1"/>
+              </a:solidFill>
+            </a:endParaRPr>
+          </a:p>
+        </p:txBody>
+      </p:sp>
+      <p:sp>
+        <p:nvSpPr>
+          <p:cNvPr id="3" name="TextBox 2"/>
+          <p:cNvSpPr txBox="1"/>
+          <p:nvPr/>
+        </p:nvSpPr>
+        <p:spPr>
+          <a:xfrm>
+            <a:off x="0" y="260648"/>
+            <a:ext cx="12192000" cy="584775"/>
+          </a:xfrm>
+          <a:prstGeom prst="rect">
+            <a:avLst/>
+          </a:prstGeom>
+          <a:noFill/>
+        </p:spPr>
+        <p:txBody>
+          <a:bodyPr wrap="square" rtlCol="0">
+            <a:spAutoFit/>
+          </a:bodyPr>
+          <a:lstStyle/>
+          <a:p>
+            <a:pPr algn="ctr"/>
+            <a:r>
+              <a:rPr lang="ru-RU" sz="3200" b="1" dirty="0"/>
+              <a:t>Объект </a:t>
+            </a:r>
+            <a:r>
+              <a:rPr lang="en-US" sz="3200" b="1" dirty="0">
+                <a:solidFill>
+                  <a:schemeClr val="accent6">
+                    <a:lumMod val="75000"/>
+                  </a:schemeClr>
+                </a:solidFill>
+              </a:rPr>
+              <a:t>Math</a:t>
+            </a:r>
+            <a:endParaRPr lang="ru-RU" sz="3200" b="1" dirty="0">
+              <a:solidFill>
+                <a:schemeClr val="accent6">
+                  <a:lumMod val="75000"/>
+                </a:schemeClr>
+              </a:solidFill>
+            </a:endParaRPr>
+          </a:p>
+        </p:txBody>
+      </p:sp>
+      <p:sp>
+        <p:nvSpPr>
+          <p:cNvPr id="8" name="TextBox 7"/>
+          <p:cNvSpPr txBox="1"/>
+          <p:nvPr/>
+        </p:nvSpPr>
+        <p:spPr>
+          <a:xfrm>
+            <a:off x="7711047" y="1556792"/>
+            <a:ext cx="3816875" cy="2246769"/>
+          </a:xfrm>
+          <a:prstGeom prst="rect">
+            <a:avLst/>
+          </a:prstGeom>
+          <a:noFill/>
+        </p:spPr>
+        <p:txBody>
+          <a:bodyPr wrap="square" rtlCol="0">
+            <a:spAutoFit/>
+          </a:bodyPr>
+          <a:lstStyle/>
+          <a:p>
+            <a:r>
+              <a:rPr lang="ru-RU" sz="2800" dirty="0"/>
+              <a:t>Объект </a:t>
+            </a:r>
+            <a:r>
+              <a:rPr lang="en-US" sz="2800" b="1" dirty="0"/>
+              <a:t>Math</a:t>
+            </a:r>
+            <a:r>
+              <a:rPr lang="en-US" sz="2800" dirty="0"/>
+              <a:t> </a:t>
+            </a:r>
+            <a:r>
+              <a:rPr lang="ru-RU" sz="2800" dirty="0"/>
+              <a:t>содержит большое количество математических функций, в частности функции округления…</a:t>
+            </a:r>
+          </a:p>
+        </p:txBody>
+      </p:sp>
+      <p:pic>
+        <p:nvPicPr>
+          <p:cNvPr id="4" name="Рисунок 3"/>
+          <p:cNvPicPr>
+            <a:picLocks noChangeAspect="1"/>
+          </p:cNvPicPr>
+          <p:nvPr/>
+        </p:nvPicPr>
+        <p:blipFill>
+          <a:blip r:embed="rId3"/>
+          <a:stretch>
+            <a:fillRect/>
+          </a:stretch>
+        </p:blipFill>
+        <p:spPr>
+          <a:xfrm>
+            <a:off x="1415480" y="1556792"/>
+            <a:ext cx="5448300" cy="4114800"/>
+          </a:xfrm>
+          <a:prstGeom prst="rect">
+            <a:avLst/>
+          </a:prstGeom>
+          <a:ln>
+            <a:noFill/>
+          </a:ln>
+          <a:effectLst>
+            <a:outerShdw blurRad="190500" algn="tl" rotWithShape="0">
+              <a:srgbClr val="000000">
+                <a:alpha val="70000"/>
+              </a:srgbClr>
+            </a:outerShdw>
+          </a:effectLst>
+        </p:spPr>
+      </p:pic>
+    </p:spTree>
+    <p:extLst>
+      <p:ext uri="{BB962C8B-B14F-4D97-AF65-F5344CB8AC3E}">
+        <p14:creationId xmlns:p14="http://schemas.microsoft.com/office/powerpoint/2010/main" val="1133798415"/>
+      </p:ext>
+    </p:extLst>
+  </p:cSld>
+  <p:clrMapOvr>
+    <a:masterClrMapping/>
+  </p:clrMapOvr>
+</p:sld>
+</file>
+
+<file path=ppt/slides/slide19.xml><?xml version="1.0" encoding="utf-8"?>
+<p:sld xmlns:a="http://schemas.openxmlformats.org/drawingml/2006/main" xmlns:r="http://schemas.openxmlformats.org/officeDocument/2006/relationships" xmlns:p="http://schemas.openxmlformats.org/presentationml/2006/main">
+  <p:cSld>
+    <p:spTree>
+      <p:nvGrpSpPr>
+        <p:cNvPr id="1" name=""/>
+        <p:cNvGrpSpPr/>
+        <p:nvPr/>
+      </p:nvGrpSpPr>
+      <p:grpSpPr>
+        <a:xfrm>
+          <a:off x="0" y="0"/>
+          <a:ext cx="0" cy="0"/>
+          <a:chOff x="0" y="0"/>
+          <a:chExt cx="0" cy="0"/>
+        </a:xfrm>
+      </p:grpSpPr>
+      <p:sp>
+        <p:nvSpPr>
+          <p:cNvPr id="5" name="Прямоугольник 4"/>
+          <p:cNvSpPr/>
+          <p:nvPr/>
+        </p:nvSpPr>
+        <p:spPr>
+          <a:xfrm>
+            <a:off x="0" y="0"/>
+            <a:ext cx="12192000" cy="6858000"/>
+          </a:xfrm>
+          <a:prstGeom prst="rect">
+            <a:avLst/>
+          </a:prstGeom>
+          <a:solidFill>
+            <a:schemeClr val="tx2">
+              <a:lumMod val="75000"/>
+            </a:schemeClr>
+          </a:solidFill>
+        </p:spPr>
+        <p:style>
+          <a:lnRef idx="2">
+            <a:schemeClr val="accent1">
+              <a:shade val="50000"/>
+            </a:schemeClr>
+          </a:lnRef>
+          <a:fillRef idx="1">
+            <a:schemeClr val="accent1"/>
+          </a:fillRef>
+          <a:effectRef idx="0">
+            <a:schemeClr val="accent1"/>
+          </a:effectRef>
+          <a:fontRef idx="minor">
+            <a:schemeClr val="lt1"/>
+          </a:fontRef>
+        </p:style>
+        <p:txBody>
+          <a:bodyPr rtlCol="0" anchor="ctr"/>
+          <a:lstStyle/>
+          <a:p>
+            <a:pPr algn="ctr"/>
+            <a:r>
               <a:rPr lang="en-US" sz="6000" b="1" dirty="0"/>
-              <a:t>6</a:t>
+              <a:t>7</a:t>
             </a:r>
             <a:r>
               <a:rPr lang="ru-RU" sz="6000" b="1" dirty="0"/>
@@ -6609,7 +7062,98 @@
 </p:sld>
 </file>
 
-<file path=ppt/slides/slide18.xml><?xml version="1.0" encoding="utf-8"?>
+<file path=ppt/slides/slide2.xml><?xml version="1.0" encoding="utf-8"?>
+<p:sld xmlns:a="http://schemas.openxmlformats.org/drawingml/2006/main" xmlns:r="http://schemas.openxmlformats.org/officeDocument/2006/relationships" xmlns:p="http://schemas.openxmlformats.org/presentationml/2006/main">
+  <p:cSld>
+    <p:spTree>
+      <p:nvGrpSpPr>
+        <p:cNvPr id="1" name=""/>
+        <p:cNvGrpSpPr/>
+        <p:nvPr/>
+      </p:nvGrpSpPr>
+      <p:grpSpPr>
+        <a:xfrm>
+          <a:off x="0" y="0"/>
+          <a:ext cx="0" cy="0"/>
+          <a:chOff x="0" y="0"/>
+          <a:chExt cx="0" cy="0"/>
+        </a:xfrm>
+      </p:grpSpPr>
+      <p:sp>
+        <p:nvSpPr>
+          <p:cNvPr id="5" name="Прямоугольник 4"/>
+          <p:cNvSpPr/>
+          <p:nvPr/>
+        </p:nvSpPr>
+        <p:spPr>
+          <a:xfrm>
+            <a:off x="0" y="0"/>
+            <a:ext cx="12192000" cy="6858000"/>
+          </a:xfrm>
+          <a:prstGeom prst="rect">
+            <a:avLst/>
+          </a:prstGeom>
+          <a:solidFill>
+            <a:schemeClr val="tx2">
+              <a:lumMod val="75000"/>
+            </a:schemeClr>
+          </a:solidFill>
+        </p:spPr>
+        <p:style>
+          <a:lnRef idx="2">
+            <a:schemeClr val="accent1">
+              <a:shade val="50000"/>
+            </a:schemeClr>
+          </a:lnRef>
+          <a:fillRef idx="1">
+            <a:schemeClr val="accent1"/>
+          </a:fillRef>
+          <a:effectRef idx="0">
+            <a:schemeClr val="accent1"/>
+          </a:effectRef>
+          <a:fontRef idx="minor">
+            <a:schemeClr val="lt1"/>
+          </a:fontRef>
+        </p:style>
+        <p:txBody>
+          <a:bodyPr rtlCol="0" anchor="ctr"/>
+          <a:lstStyle/>
+          <a:p>
+            <a:pPr algn="ctr"/>
+            <a:r>
+              <a:rPr lang="ru-RU" sz="7200" b="1" dirty="0"/>
+              <a:t>1. Тип </a:t>
+            </a:r>
+            <a:r>
+              <a:rPr lang="en-US" sz="7200" b="1" dirty="0">
+                <a:solidFill>
+                  <a:srgbClr val="FFFF00"/>
+                </a:solidFill>
+              </a:rPr>
+              <a:t>Boolean</a:t>
+            </a:r>
+            <a:endParaRPr lang="uk-UA" sz="7200" b="1" dirty="0">
+              <a:solidFill>
+                <a:srgbClr val="FFFF00"/>
+              </a:solidFill>
+            </a:endParaRPr>
+          </a:p>
+        </p:txBody>
+      </p:sp>
+    </p:spTree>
+    <p:extLst>
+      <p:ext uri="{BB962C8B-B14F-4D97-AF65-F5344CB8AC3E}">
+        <p14:creationId xmlns:p14="http://schemas.microsoft.com/office/powerpoint/2010/main" val="2861308372"/>
+      </p:ext>
+    </p:extLst>
+  </p:cSld>
+  <p:clrMapOvr>
+    <a:masterClrMapping/>
+  </p:clrMapOvr>
+</p:sld>
+</file>
+
+<file path=ppt/slides/slide20.xml><?xml version="1.0" encoding="utf-8"?>
 <p:sld xmlns:a="http://schemas.openxmlformats.org/drawingml/2006/main" xmlns:r="http://schemas.openxmlformats.org/officeDocument/2006/relationships" xmlns:p="http://schemas.openxmlformats.org/presentationml/2006/main">
   <p:cSld>
     <p:spTree>
@@ -6684,7 +7228,7 @@
               <a:pPr algn="ctr">
                 <a:defRPr/>
               </a:pPr>
-              <a:t>18</a:t>
+              <a:t>20</a:t>
             </a:fld>
             <a:endParaRPr lang="uk-UA" sz="2400" b="1" dirty="0">
               <a:solidFill>
@@ -6750,7 +7294,7 @@
 </p:sld>
 </file>
 
-<file path=ppt/slides/slide19.xml><?xml version="1.0" encoding="utf-8"?>
+<file path=ppt/slides/slide21.xml><?xml version="1.0" encoding="utf-8"?>
 <p:sld xmlns:a="http://schemas.openxmlformats.org/drawingml/2006/main" xmlns:r="http://schemas.openxmlformats.org/officeDocument/2006/relationships" xmlns:p="http://schemas.openxmlformats.org/presentationml/2006/main">
   <p:cSld>
     <p:spTree>
@@ -6810,7 +7354,7 @@
             <a:pPr algn="ctr"/>
             <a:r>
               <a:rPr lang="en-US" sz="6000" b="1" dirty="0"/>
-              <a:t>7</a:t>
+              <a:t>8</a:t>
             </a:r>
             <a:r>
               <a:rPr lang="ru-RU" sz="6000" b="1" dirty="0"/>
@@ -6841,98 +7385,7 @@
 </p:sld>
 </file>
 
-<file path=ppt/slides/slide2.xml><?xml version="1.0" encoding="utf-8"?>
-<p:sld xmlns:a="http://schemas.openxmlformats.org/drawingml/2006/main" xmlns:r="http://schemas.openxmlformats.org/officeDocument/2006/relationships" xmlns:p="http://schemas.openxmlformats.org/presentationml/2006/main">
-  <p:cSld>
-    <p:spTree>
-      <p:nvGrpSpPr>
-        <p:cNvPr id="1" name=""/>
-        <p:cNvGrpSpPr/>
-        <p:nvPr/>
-      </p:nvGrpSpPr>
-      <p:grpSpPr>
-        <a:xfrm>
-          <a:off x="0" y="0"/>
-          <a:ext cx="0" cy="0"/>
-          <a:chOff x="0" y="0"/>
-          <a:chExt cx="0" cy="0"/>
-        </a:xfrm>
-      </p:grpSpPr>
-      <p:sp>
-        <p:nvSpPr>
-          <p:cNvPr id="5" name="Прямоугольник 4"/>
-          <p:cNvSpPr/>
-          <p:nvPr/>
-        </p:nvSpPr>
-        <p:spPr>
-          <a:xfrm>
-            <a:off x="0" y="0"/>
-            <a:ext cx="12192000" cy="6858000"/>
-          </a:xfrm>
-          <a:prstGeom prst="rect">
-            <a:avLst/>
-          </a:prstGeom>
-          <a:solidFill>
-            <a:schemeClr val="tx2">
-              <a:lumMod val="75000"/>
-            </a:schemeClr>
-          </a:solidFill>
-        </p:spPr>
-        <p:style>
-          <a:lnRef idx="2">
-            <a:schemeClr val="accent1">
-              <a:shade val="50000"/>
-            </a:schemeClr>
-          </a:lnRef>
-          <a:fillRef idx="1">
-            <a:schemeClr val="accent1"/>
-          </a:fillRef>
-          <a:effectRef idx="0">
-            <a:schemeClr val="accent1"/>
-          </a:effectRef>
-          <a:fontRef idx="minor">
-            <a:schemeClr val="lt1"/>
-          </a:fontRef>
-        </p:style>
-        <p:txBody>
-          <a:bodyPr rtlCol="0" anchor="ctr"/>
-          <a:lstStyle/>
-          <a:p>
-            <a:pPr algn="ctr"/>
-            <a:r>
-              <a:rPr lang="ru-RU" sz="7200" b="1" dirty="0"/>
-              <a:t>1. Тип </a:t>
-            </a:r>
-            <a:r>
-              <a:rPr lang="en-US" sz="7200" b="1" dirty="0">
-                <a:solidFill>
-                  <a:srgbClr val="FFFF00"/>
-                </a:solidFill>
-              </a:rPr>
-              <a:t>Boolean</a:t>
-            </a:r>
-            <a:endParaRPr lang="uk-UA" sz="7200" b="1" dirty="0">
-              <a:solidFill>
-                <a:srgbClr val="FFFF00"/>
-              </a:solidFill>
-            </a:endParaRPr>
-          </a:p>
-        </p:txBody>
-      </p:sp>
-    </p:spTree>
-    <p:extLst>
-      <p:ext uri="{BB962C8B-B14F-4D97-AF65-F5344CB8AC3E}">
-        <p14:creationId xmlns:p14="http://schemas.microsoft.com/office/powerpoint/2010/main" val="2861308372"/>
-      </p:ext>
-    </p:extLst>
-  </p:cSld>
-  <p:clrMapOvr>
-    <a:masterClrMapping/>
-  </p:clrMapOvr>
-</p:sld>
-</file>
-
-<file path=ppt/slides/slide20.xml><?xml version="1.0" encoding="utf-8"?>
+<file path=ppt/slides/slide22.xml><?xml version="1.0" encoding="utf-8"?>
 <p:sld xmlns:a="http://schemas.openxmlformats.org/drawingml/2006/main" xmlns:r="http://schemas.openxmlformats.org/officeDocument/2006/relationships" xmlns:p="http://schemas.openxmlformats.org/presentationml/2006/main">
   <p:cSld>
     <p:spTree>
@@ -7005,7 +7458,7 @@
               <a:pPr algn="ctr">
                 <a:defRPr/>
               </a:pPr>
-              <a:t>20</a:t>
+              <a:t>22</a:t>
             </a:fld>
             <a:endParaRPr lang="uk-UA" sz="2400" b="1" dirty="0">
               <a:solidFill>
@@ -7108,7 +7561,7 @@
 </p:sld>
 </file>
 
-<file path=ppt/slides/slide21.xml><?xml version="1.0" encoding="utf-8"?>
+<file path=ppt/slides/slide23.xml><?xml version="1.0" encoding="utf-8"?>
 <p:sld xmlns:a="http://schemas.openxmlformats.org/drawingml/2006/main" xmlns:r="http://schemas.openxmlformats.org/officeDocument/2006/relationships" xmlns:p="http://schemas.openxmlformats.org/presentationml/2006/main">
   <p:cSld>
     <p:spTree>
@@ -7186,7 +7639,7 @@
 </p:sld>
 </file>
 
-<file path=ppt/slides/slide22.xml><?xml version="1.0" encoding="utf-8"?>
+<file path=ppt/slides/slide24.xml><?xml version="1.0" encoding="utf-8"?>
 <p:sld xmlns:a="http://schemas.openxmlformats.org/drawingml/2006/main" xmlns:r="http://schemas.openxmlformats.org/officeDocument/2006/relationships" xmlns:p="http://schemas.openxmlformats.org/presentationml/2006/main">
   <p:cSld>
     <p:spTree>
@@ -7261,7 +7714,7 @@
               <a:pPr algn="ctr">
                 <a:defRPr/>
               </a:pPr>
-              <a:t>22</a:t>
+              <a:t>24</a:t>
             </a:fld>
             <a:endParaRPr lang="uk-UA" sz="2400" b="1" dirty="0">
               <a:solidFill>
@@ -7501,7 +7954,7 @@
 </p:sld>
 </file>
 
-<file path=ppt/slides/slide23.xml><?xml version="1.0" encoding="utf-8"?>
+<file path=ppt/slides/slide25.xml><?xml version="1.0" encoding="utf-8"?>
 <p:sld xmlns:a="http://schemas.openxmlformats.org/drawingml/2006/main" xmlns:r="http://schemas.openxmlformats.org/officeDocument/2006/relationships" xmlns:p="http://schemas.openxmlformats.org/presentationml/2006/main">
   <p:cSld>
     <p:spTree>
@@ -7576,7 +8029,7 @@
               <a:pPr algn="ctr">
                 <a:defRPr/>
               </a:pPr>
-              <a:t>23</a:t>
+              <a:t>25</a:t>
             </a:fld>
             <a:endParaRPr lang="uk-UA" sz="2400" b="1" dirty="0">
               <a:solidFill>
@@ -7752,7 +8205,7 @@
 </p:sld>
 </file>
 
-<file path=ppt/slides/slide24.xml><?xml version="1.0" encoding="utf-8"?>
+<file path=ppt/slides/slide26.xml><?xml version="1.0" encoding="utf-8"?>
 <p:sld xmlns:a="http://schemas.openxmlformats.org/drawingml/2006/main" xmlns:r="http://schemas.openxmlformats.org/officeDocument/2006/relationships" xmlns:p="http://schemas.openxmlformats.org/presentationml/2006/main">
   <p:cSld>
     <p:spTree>
@@ -7831,7 +8284,7 @@
 </p:sld>
 </file>
 
-<file path=ppt/slides/slide25.xml><?xml version="1.0" encoding="utf-8"?>
+<file path=ppt/slides/slide27.xml><?xml version="1.0" encoding="utf-8"?>
 <p:sld xmlns:a="http://schemas.openxmlformats.org/drawingml/2006/main" xmlns:r="http://schemas.openxmlformats.org/officeDocument/2006/relationships" xmlns:p="http://schemas.openxmlformats.org/presentationml/2006/main">
   <p:cSld>
     <p:spTree>
